--- a/ppt/memory leaks.pptx
+++ b/ppt/memory leaks.pptx
@@ -117,6 +117,11 @@
       </a:defRPr>
     </a:lvl9pPr>
   </p:defaultTextStyle>
+  <p:extLst>
+    <p:ext uri="{EFAFB233-063F-42B5-8137-9DF3F51BA10A}">
+      <p15:sldGuideLst xmlns:p15="http://schemas.microsoft.com/office/powerpoint/2012/main"/>
+    </p:ext>
+  </p:extLst>
 </p:presentation>
 </file>
 
@@ -202,7 +207,7 @@
           <a:p>
             <a:fld id="{33DA920A-B48F-478C-9AFA-2A8BD7C03CE7}" type="datetimeFigureOut">
               <a:rPr lang="zh-CN" altLang="en-US" smtClean="0"/>
-              <a:t>2018/10/15</a:t>
+              <a:t>2018/11/15</a:t>
             </a:fld>
             <a:endParaRPr lang="zh-CN" altLang="en-US"/>
           </a:p>
@@ -1259,7 +1264,7 @@
           <a:p>
             <a:fld id="{3D3FEB3F-6F0D-484F-BFFC-6B512982F219}" type="datetimeFigureOut">
               <a:rPr lang="zh-CN" altLang="en-US" smtClean="0"/>
-              <a:t>2018/10/15</a:t>
+              <a:t>2018/11/15</a:t>
             </a:fld>
             <a:endParaRPr lang="zh-CN" altLang="en-US"/>
           </a:p>
@@ -1429,7 +1434,7 @@
           <a:p>
             <a:fld id="{3D3FEB3F-6F0D-484F-BFFC-6B512982F219}" type="datetimeFigureOut">
               <a:rPr lang="zh-CN" altLang="en-US" smtClean="0"/>
-              <a:t>2018/10/15</a:t>
+              <a:t>2018/11/15</a:t>
             </a:fld>
             <a:endParaRPr lang="zh-CN" altLang="en-US"/>
           </a:p>
@@ -1609,7 +1614,7 @@
           <a:p>
             <a:fld id="{3D3FEB3F-6F0D-484F-BFFC-6B512982F219}" type="datetimeFigureOut">
               <a:rPr lang="zh-CN" altLang="en-US" smtClean="0"/>
-              <a:t>2018/10/15</a:t>
+              <a:t>2018/11/15</a:t>
             </a:fld>
             <a:endParaRPr lang="zh-CN" altLang="en-US"/>
           </a:p>
@@ -1779,7 +1784,7 @@
           <a:p>
             <a:fld id="{3D3FEB3F-6F0D-484F-BFFC-6B512982F219}" type="datetimeFigureOut">
               <a:rPr lang="zh-CN" altLang="en-US" smtClean="0"/>
-              <a:t>2018/10/15</a:t>
+              <a:t>2018/11/15</a:t>
             </a:fld>
             <a:endParaRPr lang="zh-CN" altLang="en-US"/>
           </a:p>
@@ -2025,7 +2030,7 @@
           <a:p>
             <a:fld id="{3D3FEB3F-6F0D-484F-BFFC-6B512982F219}" type="datetimeFigureOut">
               <a:rPr lang="zh-CN" altLang="en-US" smtClean="0"/>
-              <a:t>2018/10/15</a:t>
+              <a:t>2018/11/15</a:t>
             </a:fld>
             <a:endParaRPr lang="zh-CN" altLang="en-US"/>
           </a:p>
@@ -2257,7 +2262,7 @@
           <a:p>
             <a:fld id="{3D3FEB3F-6F0D-484F-BFFC-6B512982F219}" type="datetimeFigureOut">
               <a:rPr lang="zh-CN" altLang="en-US" smtClean="0"/>
-              <a:t>2018/10/15</a:t>
+              <a:t>2018/11/15</a:t>
             </a:fld>
             <a:endParaRPr lang="zh-CN" altLang="en-US"/>
           </a:p>
@@ -2624,7 +2629,7 @@
           <a:p>
             <a:fld id="{3D3FEB3F-6F0D-484F-BFFC-6B512982F219}" type="datetimeFigureOut">
               <a:rPr lang="zh-CN" altLang="en-US" smtClean="0"/>
-              <a:t>2018/10/15</a:t>
+              <a:t>2018/11/15</a:t>
             </a:fld>
             <a:endParaRPr lang="zh-CN" altLang="en-US"/>
           </a:p>
@@ -2742,7 +2747,7 @@
           <a:p>
             <a:fld id="{3D3FEB3F-6F0D-484F-BFFC-6B512982F219}" type="datetimeFigureOut">
               <a:rPr lang="zh-CN" altLang="en-US" smtClean="0"/>
-              <a:t>2018/10/15</a:t>
+              <a:t>2018/11/15</a:t>
             </a:fld>
             <a:endParaRPr lang="zh-CN" altLang="en-US"/>
           </a:p>
@@ -2837,7 +2842,7 @@
           <a:p>
             <a:fld id="{3D3FEB3F-6F0D-484F-BFFC-6B512982F219}" type="datetimeFigureOut">
               <a:rPr lang="zh-CN" altLang="en-US" smtClean="0"/>
-              <a:t>2018/10/15</a:t>
+              <a:t>2018/11/15</a:t>
             </a:fld>
             <a:endParaRPr lang="zh-CN" altLang="en-US"/>
           </a:p>
@@ -3114,7 +3119,7 @@
           <a:p>
             <a:fld id="{3D3FEB3F-6F0D-484F-BFFC-6B512982F219}" type="datetimeFigureOut">
               <a:rPr lang="zh-CN" altLang="en-US" smtClean="0"/>
-              <a:t>2018/10/15</a:t>
+              <a:t>2018/11/15</a:t>
             </a:fld>
             <a:endParaRPr lang="zh-CN" altLang="en-US"/>
           </a:p>
@@ -3367,7 +3372,7 @@
           <a:p>
             <a:fld id="{3D3FEB3F-6F0D-484F-BFFC-6B512982F219}" type="datetimeFigureOut">
               <a:rPr lang="zh-CN" altLang="en-US" smtClean="0"/>
-              <a:t>2018/10/15</a:t>
+              <a:t>2018/11/15</a:t>
             </a:fld>
             <a:endParaRPr lang="zh-CN" altLang="en-US"/>
           </a:p>
@@ -3580,7 +3585,7 @@
           <a:p>
             <a:fld id="{3D3FEB3F-6F0D-484F-BFFC-6B512982F219}" type="datetimeFigureOut">
               <a:rPr lang="zh-CN" altLang="en-US" smtClean="0"/>
-              <a:t>2018/10/15</a:t>
+              <a:t>2018/11/15</a:t>
             </a:fld>
             <a:endParaRPr lang="zh-CN" altLang="en-US"/>
           </a:p>
@@ -4638,7 +4643,11 @@
             </a:r>
             <a:r>
               <a:rPr lang="en-US" altLang="zh-CN" dirty="0" smtClean="0"/>
-              <a:t>for </a:t>
+              <a:t>to</a:t>
+            </a:r>
+            <a:r>
+              <a:rPr lang="en-US" altLang="zh-CN" dirty="0" smtClean="0"/>
+              <a:t> </a:t>
             </a:r>
             <a:r>
               <a:rPr lang="en-US" altLang="zh-CN" dirty="0" err="1" smtClean="0"/>
@@ -4655,7 +4664,7 @@
               <a:t>Anonymous class  Runnable has a </a:t>
             </a:r>
             <a:r>
-              <a:rPr lang="en-US" altLang="zh-CN" dirty="0" smtClean="0">
+              <a:rPr lang="en-US" altLang="zh-CN" smtClean="0">
                 <a:solidFill>
                   <a:srgbClr val="00B050"/>
                 </a:solidFill>
@@ -4663,8 +4672,16 @@
               <a:t>reference</a:t>
             </a:r>
             <a:r>
-              <a:rPr lang="en-US" altLang="zh-CN" dirty="0" smtClean="0"/>
-              <a:t> for </a:t>
+              <a:rPr lang="en-US" altLang="zh-CN" smtClean="0"/>
+              <a:t> </a:t>
+            </a:r>
+            <a:r>
+              <a:rPr lang="en-US" altLang="zh-CN" smtClean="0"/>
+              <a:t>to</a:t>
+            </a:r>
+            <a:r>
+              <a:rPr lang="en-US" altLang="zh-CN" smtClean="0"/>
+              <a:t> </a:t>
             </a:r>
             <a:r>
               <a:rPr lang="en-US" altLang="zh-CN" dirty="0" err="1" smtClean="0"/>
